--- a/PPT/Go 09.pptx
+++ b/PPT/Go 09.pptx
@@ -5759,7 +5759,7 @@
           <a:p>
             <a:fld id="{397E0307-B85C-446A-8EF0-0407D435D787}" type="datetimeFigureOut">
               <a:rPr lang="en-US" smtClean="0"/>
-              <a:t>8/29/2020</a:t>
+              <a:t>9/26/2021</a:t>
             </a:fld>
             <a:endParaRPr lang="en-US" dirty="0"/>
           </a:p>
@@ -6173,7 +6173,7 @@
           <a:p>
             <a:fld id="{8BD862E7-95FA-4FC4-9EC5-DDBFA8DC7417}" type="datetimeFigureOut">
               <a:rPr lang="en-US" smtClean="0"/>
-              <a:t>8/29/2020</a:t>
+              <a:t>9/26/2021</a:t>
             </a:fld>
             <a:endParaRPr lang="en-US" dirty="0"/>
           </a:p>
@@ -6509,7 +6509,7 @@
           <a:p>
             <a:fld id="{8DB987F2-A784-4F72-BB57-0E9EACDE722E}" type="datetimeFigureOut">
               <a:rPr lang="en-US" smtClean="0"/>
-              <a:t>8/29/2020</a:t>
+              <a:t>9/26/2021</a:t>
             </a:fld>
             <a:endParaRPr lang="en-US" dirty="0"/>
           </a:p>
@@ -6914,7 +6914,7 @@
           <a:p>
             <a:fld id="{40BBD51E-4B19-444E-85C0-DBD7EB6263F4}" type="datetimeFigureOut">
               <a:rPr lang="en-US" smtClean="0"/>
-              <a:t>8/29/2020</a:t>
+              <a:t>9/26/2021</a:t>
             </a:fld>
             <a:endParaRPr lang="en-US" dirty="0"/>
           </a:p>
@@ -7482,7 +7482,7 @@
           <a:p>
             <a:fld id="{F0D7255A-4AD5-4D3E-9A0A-689DA3BA976C}" type="datetimeFigureOut">
               <a:rPr lang="en-US" smtClean="0"/>
-              <a:t>8/29/2020</a:t>
+              <a:t>9/26/2021</a:t>
             </a:fld>
             <a:endParaRPr lang="en-US" dirty="0"/>
           </a:p>
@@ -8163,7 +8163,7 @@
           <a:p>
             <a:fld id="{3EE0AD15-87AC-45B2-9EE5-8D165AF83CD7}" type="datetimeFigureOut">
               <a:rPr lang="en-US" smtClean="0"/>
-              <a:t>8/29/2020</a:t>
+              <a:t>9/26/2021</a:t>
             </a:fld>
             <a:endParaRPr lang="en-US" dirty="0"/>
           </a:p>
@@ -9076,7 +9076,7 @@
           <a:p>
             <a:fld id="{FCC40CCD-F0D6-4CC2-A4C8-2D7D0D875F02}" type="datetimeFigureOut">
               <a:rPr lang="en-US" smtClean="0"/>
-              <a:t>8/29/2020</a:t>
+              <a:t>9/26/2021</a:t>
             </a:fld>
             <a:endParaRPr lang="en-US" dirty="0"/>
           </a:p>
@@ -9389,7 +9389,7 @@
           <a:p>
             <a:fld id="{B3CFE2CC-454D-4466-AC55-B86DA0A87BAE}" type="datetimeFigureOut">
               <a:rPr lang="en-US" smtClean="0"/>
-              <a:t>8/29/2020</a:t>
+              <a:t>9/26/2021</a:t>
             </a:fld>
             <a:endParaRPr lang="en-US" dirty="0"/>
           </a:p>
@@ -9653,7 +9653,7 @@
           <a:p>
             <a:fld id="{B647B1BF-4039-460D-A637-65428CBD720E}" type="datetimeFigureOut">
               <a:rPr lang="en-US" smtClean="0"/>
-              <a:t>8/29/2020</a:t>
+              <a:t>9/26/2021</a:t>
             </a:fld>
             <a:endParaRPr lang="en-US" dirty="0"/>
           </a:p>
@@ -9977,7 +9977,7 @@
           <a:p>
             <a:fld id="{AAA39ACE-9343-4EBE-B5CA-AEA240A1DC53}" type="datetimeFigureOut">
               <a:rPr lang="en-US" smtClean="0"/>
-              <a:t>8/29/2020</a:t>
+              <a:t>9/26/2021</a:t>
             </a:fld>
             <a:endParaRPr lang="en-US" dirty="0"/>
           </a:p>
@@ -10366,7 +10366,7 @@
           <a:p>
             <a:fld id="{C9A00F7B-89C5-4DF7-A309-6263220147D4}" type="datetimeFigureOut">
               <a:rPr lang="en-US" smtClean="0"/>
-              <a:t>8/29/2020</a:t>
+              <a:t>9/26/2021</a:t>
             </a:fld>
             <a:endParaRPr lang="en-US" dirty="0"/>
           </a:p>
@@ -10742,7 +10742,7 @@
           <a:p>
             <a:fld id="{449C95DE-FD64-4606-AE61-EC1136867CC6}" type="datetimeFigureOut">
               <a:rPr lang="en-US" smtClean="0"/>
-              <a:t>8/29/2020</a:t>
+              <a:t>9/26/2021</a:t>
             </a:fld>
             <a:endParaRPr lang="en-US" dirty="0"/>
           </a:p>
@@ -11248,7 +11248,7 @@
           <a:p>
             <a:fld id="{5DEB0BBD-30FE-4CF1-900A-0C45149F8AF8}" type="datetimeFigureOut">
               <a:rPr lang="en-US" smtClean="0"/>
-              <a:t>8/29/2020</a:t>
+              <a:t>9/26/2021</a:t>
             </a:fld>
             <a:endParaRPr lang="en-US" dirty="0"/>
           </a:p>
@@ -11505,7 +11505,7 @@
           <a:p>
             <a:fld id="{B91A5F7F-3E81-4C65-A4D1-CB62D5B9DB91}" type="datetimeFigureOut">
               <a:rPr lang="en-US" smtClean="0"/>
-              <a:t>8/29/2020</a:t>
+              <a:t>9/26/2021</a:t>
             </a:fld>
             <a:endParaRPr lang="en-US" dirty="0"/>
           </a:p>
@@ -11668,7 +11668,7 @@
           <a:p>
             <a:fld id="{377ECC86-1672-4627-AEFE-EC5485C73905}" type="datetimeFigureOut">
               <a:rPr lang="en-US" smtClean="0"/>
-              <a:t>8/29/2020</a:t>
+              <a:t>9/26/2021</a:t>
             </a:fld>
             <a:endParaRPr lang="en-US" dirty="0"/>
           </a:p>
@@ -12058,7 +12058,7 @@
           <a:p>
             <a:fld id="{3CDCB01F-D966-4C62-B900-0BE008A90C98}" type="datetimeFigureOut">
               <a:rPr lang="en-US" smtClean="0"/>
-              <a:t>8/29/2020</a:t>
+              <a:t>9/26/2021</a:t>
             </a:fld>
             <a:endParaRPr lang="en-US" dirty="0"/>
           </a:p>
@@ -12467,7 +12467,7 @@
           <a:p>
             <a:fld id="{5E73A0EA-7DC7-4964-BB97-B173EF3B859A}" type="datetimeFigureOut">
               <a:rPr lang="en-US" smtClean="0"/>
-              <a:t>8/29/2020</a:t>
+              <a:t>9/26/2021</a:t>
             </a:fld>
             <a:endParaRPr lang="en-US" dirty="0"/>
           </a:p>
@@ -12711,7 +12711,7 @@
           <a:p>
             <a:fld id="{30EF52CC-F3D9-41D4-BCE4-C208E61A3F31}" type="datetimeFigureOut">
               <a:rPr lang="en-US" smtClean="0"/>
-              <a:t>8/29/2020</a:t>
+              <a:t>9/26/2021</a:t>
             </a:fld>
             <a:endParaRPr lang="en-US" dirty="0"/>
           </a:p>
@@ -13417,7 +13417,23 @@
             </a:r>
             <a:r>
               <a:rPr lang="zh-CN" altLang="en-US" dirty="0"/>
-              <a:t>编码里包含多少个字符？</a:t>
+              <a:t>编码里包含多少个字符</a:t>
+            </a:r>
+            <a:r>
+              <a:rPr lang="zh-CN" altLang="en-US" dirty="0" smtClean="0"/>
+              <a:t>？</a:t>
+            </a:r>
+            <a:endParaRPr lang="en-US" altLang="zh-CN" dirty="0" smtClean="0"/>
+          </a:p>
+          <a:p>
+            <a:pPr lvl="1"/>
+            <a:r>
+              <a:rPr lang="en-US" altLang="zh-CN" dirty="0" smtClean="0"/>
+              <a:t>128</a:t>
+            </a:r>
+            <a:r>
+              <a:rPr lang="zh-CN" altLang="en-US" dirty="0" smtClean="0"/>
+              <a:t>个</a:t>
             </a:r>
             <a:endParaRPr lang="en-US" altLang="zh-CN" dirty="0"/>
           </a:p>
@@ -13436,7 +13452,43 @@
             </a:r>
             <a:r>
               <a:rPr lang="zh-CN" altLang="en-US" dirty="0"/>
-              <a:t>分别是哪个类型的别名？</a:t>
+              <a:t>分别是哪个类型的别名</a:t>
+            </a:r>
+            <a:r>
+              <a:rPr lang="zh-CN" altLang="en-US" dirty="0" smtClean="0"/>
+              <a:t>？</a:t>
+            </a:r>
+            <a:endParaRPr lang="en-US" altLang="zh-CN" dirty="0" smtClean="0"/>
+          </a:p>
+          <a:p>
+            <a:pPr lvl="1"/>
+            <a:r>
+              <a:rPr lang="en-US" altLang="zh-CN" dirty="0" smtClean="0"/>
+              <a:t>Byte</a:t>
+            </a:r>
+            <a:r>
+              <a:rPr lang="zh-CN" altLang="en-US" dirty="0" smtClean="0"/>
+              <a:t>是</a:t>
+            </a:r>
+            <a:r>
+              <a:rPr lang="en-US" altLang="zh-CN" dirty="0" smtClean="0"/>
+              <a:t>uint8</a:t>
+            </a:r>
+            <a:r>
+              <a:rPr lang="zh-CN" altLang="en-US" dirty="0" smtClean="0"/>
+              <a:t>的别称，</a:t>
+            </a:r>
+            <a:r>
+              <a:rPr lang="en-US" altLang="zh-CN" dirty="0" smtClean="0"/>
+              <a:t>rune</a:t>
+            </a:r>
+            <a:r>
+              <a:rPr lang="zh-CN" altLang="en-US" dirty="0" smtClean="0"/>
+              <a:t>是</a:t>
+            </a:r>
+            <a:r>
+              <a:rPr lang="en-US" altLang="zh-CN" dirty="0" smtClean="0"/>
+              <a:t>int32</a:t>
             </a:r>
             <a:endParaRPr lang="en-US" altLang="zh-CN" dirty="0"/>
           </a:p>
@@ -13463,8 +13515,81 @@
             </a:r>
             <a:r>
               <a:rPr lang="zh-CN" altLang="en-US" dirty="0"/>
-              <a:t>分别是多少？</a:t>
-            </a:r>
+              <a:t>分别是</a:t>
+            </a:r>
+            <a:r>
+              <a:rPr lang="zh-CN" altLang="en-US" dirty="0" smtClean="0"/>
+              <a:t>多少？</a:t>
+            </a:r>
+            <a:endParaRPr lang="en-US" altLang="zh-CN" dirty="0" smtClean="0"/>
+          </a:p>
+          <a:p>
+            <a:pPr lvl="1"/>
+            <a:r>
+              <a:rPr lang="en-US" altLang="zh-CN" dirty="0" smtClean="0"/>
+              <a:t>Code:=‘*’</a:t>
+            </a:r>
+          </a:p>
+          <a:p>
+            <a:pPr lvl="1"/>
+            <a:r>
+              <a:rPr lang="en-US" altLang="zh-CN" dirty="0" err="1" smtClean="0"/>
+              <a:t>Printf</a:t>
+            </a:r>
+            <a:r>
+              <a:rPr lang="en-US" altLang="zh-CN" dirty="0" smtClean="0"/>
+              <a:t>(“%</a:t>
+            </a:r>
+            <a:r>
+              <a:rPr lang="en-US" altLang="zh-CN" dirty="0" err="1" smtClean="0"/>
+              <a:t>v”,code</a:t>
+            </a:r>
+            <a:r>
+              <a:rPr lang="en-US" altLang="zh-CN" dirty="0" smtClean="0"/>
+              <a:t>)</a:t>
+            </a:r>
+          </a:p>
+          <a:p>
+            <a:pPr lvl="1"/>
+            <a:r>
+              <a:rPr lang="zh-CN" altLang="en-US" dirty="0" smtClean="0"/>
+              <a:t>系统默认会推断其为</a:t>
+            </a:r>
+            <a:r>
+              <a:rPr lang="en-US" altLang="zh-CN" dirty="0" smtClean="0"/>
+              <a:t>rune</a:t>
+            </a:r>
+            <a:r>
+              <a:rPr lang="zh-CN" altLang="en-US" dirty="0" smtClean="0"/>
+              <a:t>格式</a:t>
+            </a:r>
+            <a:endParaRPr lang="en-US" altLang="zh-CN" dirty="0" smtClean="0"/>
+          </a:p>
+          <a:p>
+            <a:pPr lvl="1"/>
+            <a:r>
+              <a:rPr lang="en-US" altLang="zh-CN" dirty="0" smtClean="0"/>
+              <a:t>42</a:t>
+            </a:r>
+            <a:r>
+              <a:rPr lang="zh-CN" altLang="en-US" dirty="0" smtClean="0"/>
+              <a:t>，</a:t>
+            </a:r>
+            <a:r>
+              <a:rPr lang="en-US" altLang="zh-CN" dirty="0" smtClean="0"/>
+              <a:t>233</a:t>
+            </a:r>
+            <a:r>
+              <a:rPr lang="zh-CN" altLang="en-US" dirty="0" smtClean="0"/>
+              <a:t>，</a:t>
+            </a:r>
+            <a:r>
+              <a:rPr lang="en-US" altLang="zh-CN" dirty="0" smtClean="0"/>
+              <a:t>128522</a:t>
+            </a:r>
+            <a:endParaRPr lang="en-US" altLang="zh-CN" dirty="0" smtClean="0"/>
+          </a:p>
+          <a:p>
             <a:endParaRPr lang="en-US" dirty="0"/>
           </a:p>
         </p:txBody>
@@ -13720,6 +13845,372 @@
                       </p:childTnLst>
                     </p:cTn>
                   </p:par>
+                  <p:par>
+                    <p:cTn id="18" fill="hold">
+                      <p:stCondLst>
+                        <p:cond delay="indefinite"/>
+                      </p:stCondLst>
+                      <p:childTnLst>
+                        <p:par>
+                          <p:cTn id="19" fill="hold">
+                            <p:stCondLst>
+                              <p:cond delay="0"/>
+                            </p:stCondLst>
+                            <p:childTnLst>
+                              <p:par>
+                                <p:cTn id="20" presetID="10" presetClass="entr" presetSubtype="0" fill="hold" nodeType="clickEffect">
+                                  <p:stCondLst>
+                                    <p:cond delay="0"/>
+                                  </p:stCondLst>
+                                  <p:childTnLst>
+                                    <p:set>
+                                      <p:cBhvr>
+                                        <p:cTn id="21" dur="1" fill="hold">
+                                          <p:stCondLst>
+                                            <p:cond delay="0"/>
+                                          </p:stCondLst>
+                                        </p:cTn>
+                                        <p:tgtEl>
+                                          <p:spTgt spid="3">
+                                            <p:txEl>
+                                              <p:pRg st="3" end="3"/>
+                                            </p:txEl>
+                                          </p:spTgt>
+                                        </p:tgtEl>
+                                        <p:attrNameLst>
+                                          <p:attrName>style.visibility</p:attrName>
+                                        </p:attrNameLst>
+                                      </p:cBhvr>
+                                      <p:to>
+                                        <p:strVal val="visible"/>
+                                      </p:to>
+                                    </p:set>
+                                    <p:animEffect transition="in" filter="fade">
+                                      <p:cBhvr>
+                                        <p:cTn id="22" dur="500"/>
+                                        <p:tgtEl>
+                                          <p:spTgt spid="3">
+                                            <p:txEl>
+                                              <p:pRg st="3" end="3"/>
+                                            </p:txEl>
+                                          </p:spTgt>
+                                        </p:tgtEl>
+                                      </p:cBhvr>
+                                    </p:animEffect>
+                                  </p:childTnLst>
+                                </p:cTn>
+                              </p:par>
+                            </p:childTnLst>
+                          </p:cTn>
+                        </p:par>
+                      </p:childTnLst>
+                    </p:cTn>
+                  </p:par>
+                  <p:par>
+                    <p:cTn id="23" fill="hold">
+                      <p:stCondLst>
+                        <p:cond delay="indefinite"/>
+                      </p:stCondLst>
+                      <p:childTnLst>
+                        <p:par>
+                          <p:cTn id="24" fill="hold">
+                            <p:stCondLst>
+                              <p:cond delay="0"/>
+                            </p:stCondLst>
+                            <p:childTnLst>
+                              <p:par>
+                                <p:cTn id="25" presetID="10" presetClass="entr" presetSubtype="0" fill="hold" nodeType="clickEffect">
+                                  <p:stCondLst>
+                                    <p:cond delay="0"/>
+                                  </p:stCondLst>
+                                  <p:childTnLst>
+                                    <p:set>
+                                      <p:cBhvr>
+                                        <p:cTn id="26" dur="1" fill="hold">
+                                          <p:stCondLst>
+                                            <p:cond delay="0"/>
+                                          </p:stCondLst>
+                                        </p:cTn>
+                                        <p:tgtEl>
+                                          <p:spTgt spid="3">
+                                            <p:txEl>
+                                              <p:pRg st="4" end="4"/>
+                                            </p:txEl>
+                                          </p:spTgt>
+                                        </p:tgtEl>
+                                        <p:attrNameLst>
+                                          <p:attrName>style.visibility</p:attrName>
+                                        </p:attrNameLst>
+                                      </p:cBhvr>
+                                      <p:to>
+                                        <p:strVal val="visible"/>
+                                      </p:to>
+                                    </p:set>
+                                    <p:animEffect transition="in" filter="fade">
+                                      <p:cBhvr>
+                                        <p:cTn id="27" dur="500"/>
+                                        <p:tgtEl>
+                                          <p:spTgt spid="3">
+                                            <p:txEl>
+                                              <p:pRg st="4" end="4"/>
+                                            </p:txEl>
+                                          </p:spTgt>
+                                        </p:tgtEl>
+                                      </p:cBhvr>
+                                    </p:animEffect>
+                                  </p:childTnLst>
+                                </p:cTn>
+                              </p:par>
+                            </p:childTnLst>
+                          </p:cTn>
+                        </p:par>
+                      </p:childTnLst>
+                    </p:cTn>
+                  </p:par>
+                  <p:par>
+                    <p:cTn id="28" fill="hold">
+                      <p:stCondLst>
+                        <p:cond delay="indefinite"/>
+                      </p:stCondLst>
+                      <p:childTnLst>
+                        <p:par>
+                          <p:cTn id="29" fill="hold">
+                            <p:stCondLst>
+                              <p:cond delay="0"/>
+                            </p:stCondLst>
+                            <p:childTnLst>
+                              <p:par>
+                                <p:cTn id="30" presetID="10" presetClass="entr" presetSubtype="0" fill="hold" nodeType="clickEffect">
+                                  <p:stCondLst>
+                                    <p:cond delay="0"/>
+                                  </p:stCondLst>
+                                  <p:childTnLst>
+                                    <p:set>
+                                      <p:cBhvr>
+                                        <p:cTn id="31" dur="1" fill="hold">
+                                          <p:stCondLst>
+                                            <p:cond delay="0"/>
+                                          </p:stCondLst>
+                                        </p:cTn>
+                                        <p:tgtEl>
+                                          <p:spTgt spid="3">
+                                            <p:txEl>
+                                              <p:pRg st="5" end="5"/>
+                                            </p:txEl>
+                                          </p:spTgt>
+                                        </p:tgtEl>
+                                        <p:attrNameLst>
+                                          <p:attrName>style.visibility</p:attrName>
+                                        </p:attrNameLst>
+                                      </p:cBhvr>
+                                      <p:to>
+                                        <p:strVal val="visible"/>
+                                      </p:to>
+                                    </p:set>
+                                    <p:animEffect transition="in" filter="fade">
+                                      <p:cBhvr>
+                                        <p:cTn id="32" dur="500"/>
+                                        <p:tgtEl>
+                                          <p:spTgt spid="3">
+                                            <p:txEl>
+                                              <p:pRg st="5" end="5"/>
+                                            </p:txEl>
+                                          </p:spTgt>
+                                        </p:tgtEl>
+                                      </p:cBhvr>
+                                    </p:animEffect>
+                                  </p:childTnLst>
+                                </p:cTn>
+                              </p:par>
+                            </p:childTnLst>
+                          </p:cTn>
+                        </p:par>
+                      </p:childTnLst>
+                    </p:cTn>
+                  </p:par>
+                  <p:par>
+                    <p:cTn id="33" fill="hold">
+                      <p:stCondLst>
+                        <p:cond delay="indefinite"/>
+                      </p:stCondLst>
+                      <p:childTnLst>
+                        <p:par>
+                          <p:cTn id="34" fill="hold">
+                            <p:stCondLst>
+                              <p:cond delay="0"/>
+                            </p:stCondLst>
+                            <p:childTnLst>
+                              <p:par>
+                                <p:cTn id="35" presetID="10" presetClass="entr" presetSubtype="0" fill="hold" nodeType="clickEffect">
+                                  <p:stCondLst>
+                                    <p:cond delay="0"/>
+                                  </p:stCondLst>
+                                  <p:childTnLst>
+                                    <p:set>
+                                      <p:cBhvr>
+                                        <p:cTn id="36" dur="1" fill="hold">
+                                          <p:stCondLst>
+                                            <p:cond delay="0"/>
+                                          </p:stCondLst>
+                                        </p:cTn>
+                                        <p:tgtEl>
+                                          <p:spTgt spid="3">
+                                            <p:txEl>
+                                              <p:pRg st="6" end="6"/>
+                                            </p:txEl>
+                                          </p:spTgt>
+                                        </p:tgtEl>
+                                        <p:attrNameLst>
+                                          <p:attrName>style.visibility</p:attrName>
+                                        </p:attrNameLst>
+                                      </p:cBhvr>
+                                      <p:to>
+                                        <p:strVal val="visible"/>
+                                      </p:to>
+                                    </p:set>
+                                    <p:animEffect transition="in" filter="fade">
+                                      <p:cBhvr>
+                                        <p:cTn id="37" dur="500"/>
+                                        <p:tgtEl>
+                                          <p:spTgt spid="3">
+                                            <p:txEl>
+                                              <p:pRg st="6" end="6"/>
+                                            </p:txEl>
+                                          </p:spTgt>
+                                        </p:tgtEl>
+                                      </p:cBhvr>
+                                    </p:animEffect>
+                                  </p:childTnLst>
+                                </p:cTn>
+                              </p:par>
+                            </p:childTnLst>
+                          </p:cTn>
+                        </p:par>
+                      </p:childTnLst>
+                    </p:cTn>
+                  </p:par>
+                  <p:par>
+                    <p:cTn id="38" fill="hold">
+                      <p:stCondLst>
+                        <p:cond delay="indefinite"/>
+                      </p:stCondLst>
+                      <p:childTnLst>
+                        <p:par>
+                          <p:cTn id="39" fill="hold">
+                            <p:stCondLst>
+                              <p:cond delay="0"/>
+                            </p:stCondLst>
+                            <p:childTnLst>
+                              <p:par>
+                                <p:cTn id="40" presetID="10" presetClass="entr" presetSubtype="0" fill="hold" nodeType="clickEffect">
+                                  <p:stCondLst>
+                                    <p:cond delay="0"/>
+                                  </p:stCondLst>
+                                  <p:childTnLst>
+                                    <p:set>
+                                      <p:cBhvr>
+                                        <p:cTn id="41" dur="1" fill="hold">
+                                          <p:stCondLst>
+                                            <p:cond delay="0"/>
+                                          </p:stCondLst>
+                                        </p:cTn>
+                                        <p:tgtEl>
+                                          <p:spTgt spid="3">
+                                            <p:txEl>
+                                              <p:pRg st="7" end="7"/>
+                                            </p:txEl>
+                                          </p:spTgt>
+                                        </p:tgtEl>
+                                        <p:attrNameLst>
+                                          <p:attrName>style.visibility</p:attrName>
+                                        </p:attrNameLst>
+                                      </p:cBhvr>
+                                      <p:to>
+                                        <p:strVal val="visible"/>
+                                      </p:to>
+                                    </p:set>
+                                    <p:animEffect transition="in" filter="fade">
+                                      <p:cBhvr>
+                                        <p:cTn id="42" dur="500"/>
+                                        <p:tgtEl>
+                                          <p:spTgt spid="3">
+                                            <p:txEl>
+                                              <p:pRg st="7" end="7"/>
+                                            </p:txEl>
+                                          </p:spTgt>
+                                        </p:tgtEl>
+                                      </p:cBhvr>
+                                    </p:animEffect>
+                                  </p:childTnLst>
+                                </p:cTn>
+                              </p:par>
+                            </p:childTnLst>
+                          </p:cTn>
+                        </p:par>
+                      </p:childTnLst>
+                    </p:cTn>
+                  </p:par>
+                  <p:par>
+                    <p:cTn id="43" fill="hold">
+                      <p:stCondLst>
+                        <p:cond delay="indefinite"/>
+                      </p:stCondLst>
+                      <p:childTnLst>
+                        <p:par>
+                          <p:cTn id="44" fill="hold">
+                            <p:stCondLst>
+                              <p:cond delay="0"/>
+                            </p:stCondLst>
+                            <p:childTnLst>
+                              <p:par>
+                                <p:cTn id="45" presetID="10" presetClass="entr" presetSubtype="0" fill="hold" nodeType="clickEffect">
+                                  <p:stCondLst>
+                                    <p:cond delay="0"/>
+                                  </p:stCondLst>
+                                  <p:childTnLst>
+                                    <p:set>
+                                      <p:cBhvr>
+                                        <p:cTn id="46" dur="1" fill="hold">
+                                          <p:stCondLst>
+                                            <p:cond delay="0"/>
+                                          </p:stCondLst>
+                                        </p:cTn>
+                                        <p:tgtEl>
+                                          <p:spTgt spid="3">
+                                            <p:txEl>
+                                              <p:pRg st="8" end="8"/>
+                                            </p:txEl>
+                                          </p:spTgt>
+                                        </p:tgtEl>
+                                        <p:attrNameLst>
+                                          <p:attrName>style.visibility</p:attrName>
+                                        </p:attrNameLst>
+                                      </p:cBhvr>
+                                      <p:to>
+                                        <p:strVal val="visible"/>
+                                      </p:to>
+                                    </p:set>
+                                    <p:animEffect transition="in" filter="fade">
+                                      <p:cBhvr>
+                                        <p:cTn id="47" dur="500"/>
+                                        <p:tgtEl>
+                                          <p:spTgt spid="3">
+                                            <p:txEl>
+                                              <p:pRg st="8" end="8"/>
+                                            </p:txEl>
+                                          </p:spTgt>
+                                        </p:tgtEl>
+                                      </p:cBhvr>
+                                    </p:animEffect>
+                                  </p:childTnLst>
+                                </p:cTn>
+                              </p:par>
+                            </p:childTnLst>
+                          </p:cTn>
+                        </p:par>
+                      </p:childTnLst>
+                    </p:cTn>
+                  </p:par>
                 </p:childTnLst>
               </p:cTn>
               <p:prevCondLst>
@@ -13822,15 +14313,35 @@
             </a:r>
             <a:r>
               <a:rPr lang="zh-CN" altLang="en-US" dirty="0"/>
-              <a:t>值，但是 </a:t>
-            </a:r>
-            <a:r>
-              <a:rPr lang="en-US" altLang="zh-CN" dirty="0"/>
+              <a:t>值，</a:t>
+            </a:r>
+            <a:r>
+              <a:rPr lang="zh-CN" altLang="en-US" b="1" dirty="0">
+                <a:solidFill>
+                  <a:srgbClr val="FF0000"/>
+                </a:solidFill>
+              </a:rPr>
+              <a:t>但是 </a:t>
+            </a:r>
+            <a:r>
+              <a:rPr lang="en-US" altLang="zh-CN" b="1" dirty="0">
+                <a:solidFill>
+                  <a:srgbClr val="FF0000"/>
+                </a:solidFill>
+              </a:rPr>
               <a:t>string </a:t>
             </a:r>
             <a:r>
+              <a:rPr lang="zh-CN" altLang="en-US" b="1" dirty="0">
+                <a:solidFill>
+                  <a:srgbClr val="FF0000"/>
+                </a:solidFill>
+              </a:rPr>
+              <a:t>本身是不可变</a:t>
+            </a:r>
+            <a:r>
               <a:rPr lang="zh-CN" altLang="en-US" dirty="0"/>
-              <a:t>本身是不可变的</a:t>
+              <a:t>的</a:t>
             </a:r>
             <a:endParaRPr lang="en-US" dirty="0"/>
           </a:p>
@@ -14605,8 +15116,20 @@
             </a:r>
             <a:r>
               <a:rPr lang="en-US" dirty="0"/>
-              <a:t>c = c - 'a' + ‘A’</a:t>
-            </a:r>
+              <a:t>c = c - 'a' + ‘A</a:t>
+            </a:r>
+            <a:r>
+              <a:rPr lang="en-US" dirty="0" smtClean="0"/>
+              <a:t>’</a:t>
+            </a:r>
+          </a:p>
+          <a:p>
+            <a:pPr lvl="1"/>
+            <a:r>
+              <a:rPr lang="zh-CN" altLang="en-US" dirty="0" smtClean="0"/>
+              <a:t>变为大写字母</a:t>
+            </a:r>
+            <a:endParaRPr lang="en-US" dirty="0"/>
           </a:p>
           <a:p>
             <a:r>
@@ -14635,8 +15158,27 @@
             </a:r>
             <a:r>
               <a:rPr lang="zh-CN" altLang="en-US" dirty="0"/>
-              <a:t>最后的结果是什么？</a:t>
-            </a:r>
+              <a:t>最后的结果是什么</a:t>
+            </a:r>
+            <a:r>
+              <a:rPr lang="zh-CN" altLang="en-US" dirty="0" smtClean="0"/>
+              <a:t>？</a:t>
+            </a:r>
+            <a:endParaRPr lang="en-US" altLang="zh-CN" dirty="0" smtClean="0"/>
+          </a:p>
+          <a:p>
+            <a:pPr lvl="1"/>
+            <a:r>
+              <a:rPr lang="zh-CN" altLang="en-US" dirty="0" smtClean="0"/>
+              <a:t>‘</a:t>
+            </a:r>
+            <a:r>
+              <a:rPr lang="en-US" altLang="zh-CN" dirty="0" smtClean="0"/>
+              <a:t>G’</a:t>
+            </a:r>
+          </a:p>
+          <a:p>
+            <a:pPr lvl="1"/>
             <a:endParaRPr lang="en-US" dirty="0"/>
           </a:p>
         </p:txBody>
@@ -15648,12 +16190,8 @@
               <a:t>Go </a:t>
             </a:r>
             <a:r>
-              <a:rPr lang="zh-CN" altLang="en-US"/>
-              <a:t>语言的</a:t>
-            </a:r>
-            <a:r>
               <a:rPr lang="zh-CN" altLang="en-US" dirty="0"/>
-              <a:t>设计者之一。</a:t>
+              <a:t>语言的设计者之一。</a:t>
             </a:r>
             <a:endParaRPr lang="en-US" dirty="0"/>
           </a:p>
@@ -17251,7 +17789,7 @@
           <a:p>
             <a:pPr lvl="1"/>
             <a:r>
-              <a:rPr lang="zh-CN" altLang="en-US"/>
+              <a:rPr lang="zh-CN" altLang="en-US" dirty="0"/>
               <a:t>带重音符号的字母要保留</a:t>
             </a:r>
             <a:endParaRPr lang="en-US" altLang="zh-CN" dirty="0"/>
